--- a/study-note/프레젠테이션1.pptx
+++ b/study-note/프레젠테이션1.pptx
@@ -3429,6 +3429,59 @@
       </p:grpSpPr>
       <p:sp>
         <p:nvSpPr>
+          <p:cNvPr id="12" name="직사각형 11">
+            <a:extLst>
+              <a:ext uri="{FF2B5EF4-FFF2-40B4-BE49-F238E27FC236}">
+                <a16:creationId xmlns:a16="http://schemas.microsoft.com/office/drawing/2014/main" id="{04E12124-B5A3-D350-4DEA-0BE24CDEC63F}"/>
+              </a:ext>
+            </a:extLst>
+          </p:cNvPr>
+          <p:cNvSpPr/>
+          <p:nvPr/>
+        </p:nvSpPr>
+        <p:spPr>
+          <a:xfrm>
+            <a:off x="727364" y="820882"/>
+            <a:ext cx="9081654" cy="3657600"/>
+          </a:xfrm>
+          <a:prstGeom prst="rect">
+            <a:avLst/>
+          </a:prstGeom>
+          <a:ln w="28575"/>
+        </p:spPr>
+        <p:style>
+          <a:lnRef idx="2">
+            <a:schemeClr val="accent1"/>
+          </a:lnRef>
+          <a:fillRef idx="1">
+            <a:schemeClr val="lt1"/>
+          </a:fillRef>
+          <a:effectRef idx="0">
+            <a:schemeClr val="accent1"/>
+          </a:effectRef>
+          <a:fontRef idx="minor">
+            <a:schemeClr val="dk1"/>
+          </a:fontRef>
+        </p:style>
+        <p:txBody>
+          <a:bodyPr rtlCol="0" anchor="t"/>
+          <a:lstStyle/>
+          <a:p>
+            <a:pPr algn="ctr"/>
+            <a:r>
+              <a:rPr kumimoji="1" lang="ko-Kore-KR" altLang="en-US" dirty="0"/>
+              <a:t>스프링</a:t>
+            </a:r>
+            <a:r>
+              <a:rPr kumimoji="1" lang="ko-KR" altLang="en-US" dirty="0"/>
+              <a:t> 컨테이너</a:t>
+            </a:r>
+            <a:endParaRPr kumimoji="1" lang="ko-Kore-KR" altLang="en-US" dirty="0"/>
+          </a:p>
+        </p:txBody>
+      </p:sp>
+      <p:sp>
+        <p:nvSpPr>
           <p:cNvPr id="4" name="직사각형 3">
             <a:extLst>
               <a:ext uri="{FF2B5EF4-FFF2-40B4-BE49-F238E27FC236}">
@@ -3449,15 +3502,13 @@
           </a:prstGeom>
         </p:spPr>
         <p:style>
-          <a:lnRef idx="2">
-            <a:schemeClr val="accent1">
-              <a:shade val="50000"/>
-            </a:schemeClr>
+          <a:lnRef idx="3">
+            <a:schemeClr val="lt1"/>
           </a:lnRef>
           <a:fillRef idx="1">
             <a:schemeClr val="accent1"/>
           </a:fillRef>
-          <a:effectRef idx="0">
+          <a:effectRef idx="1">
             <a:schemeClr val="accent1"/>
           </a:effectRef>
           <a:fontRef idx="minor">
@@ -3499,15 +3550,13 @@
           </a:prstGeom>
         </p:spPr>
         <p:style>
-          <a:lnRef idx="2">
-            <a:schemeClr val="accent1">
-              <a:shade val="50000"/>
-            </a:schemeClr>
+          <a:lnRef idx="3">
+            <a:schemeClr val="lt1"/>
           </a:lnRef>
           <a:fillRef idx="1">
             <a:schemeClr val="accent1"/>
           </a:fillRef>
-          <a:effectRef idx="0">
+          <a:effectRef idx="1">
             <a:schemeClr val="accent1"/>
           </a:effectRef>
           <a:fontRef idx="minor">
@@ -3549,15 +3598,13 @@
           </a:prstGeom>
         </p:spPr>
         <p:style>
-          <a:lnRef idx="2">
-            <a:schemeClr val="accent1">
-              <a:shade val="50000"/>
-            </a:schemeClr>
+          <a:lnRef idx="3">
+            <a:schemeClr val="lt1"/>
           </a:lnRef>
           <a:fillRef idx="1">
             <a:schemeClr val="accent1"/>
           </a:fillRef>
-          <a:effectRef idx="0">
+          <a:effectRef idx="1">
             <a:schemeClr val="accent1"/>
           </a:effectRef>
           <a:fontRef idx="minor">
